--- a/plots/2021_02_23/baseline_sequencing_501YV1 501YV2 501YV3_multinomial fit_model preds.pptx
+++ b/plots/2021_02_23/baseline_sequencing_501YV1 501YV2 501YV3_multinomial fit_model preds.pptx
@@ -9553,8 +9553,8 @@
           </p:nvSpPr>
           <p:spPr>
             <a:xfrm rot="-5400000">
-              <a:off x="654979" y="3752498"/>
-              <a:ext cx="2287339" cy="143023"/>
+              <a:off x="269552" y="3752498"/>
+              <a:ext cx="3058194" cy="143023"/>
             </a:xfrm>
             <a:prstGeom prst="rect">
               <a:avLst/>
@@ -9586,7 +9586,7 @@
                   <a:latin typeface="Arial"/>
                   <a:cs typeface="Arial"/>
                 </a:rPr>
-                <a:t>Share of diagnosed infections (%)</a:t>
+                <a:t>Share among newly diagnosed infections (%)</a:t>
               </a:r>
             </a:p>
           </p:txBody>
